--- a/123/NMOP/draft-ietf-nmop-network-anomaly-architecture-semantics-lifecycle.pptx
+++ b/123/NMOP/draft-ietf-nmop-network-anomaly-architecture-semantics-lifecycle.pptx
@@ -140,7 +140,7 @@
   <pc:docChgLst>
     <pc:chgData name="Graf Thomas, SCS-INI-NET-VNC-E2E" userId="487bc3e3-9ce7-4cdd-b7b4-8899ea88d289" providerId="ADAL" clId="{5FF6129F-C875-4CD2-931C-44CB87FACD58}"/>
     <pc:docChg chg="undo custSel addSld delSld modSld sldOrd">
-      <pc:chgData name="Graf Thomas, SCS-INI-NET-VNC-E2E" userId="487bc3e3-9ce7-4cdd-b7b4-8899ea88d289" providerId="ADAL" clId="{5FF6129F-C875-4CD2-931C-44CB87FACD58}" dt="2025-07-16T13:24:52.199" v="1743" actId="20577"/>
+      <pc:chgData name="Graf Thomas, SCS-INI-NET-VNC-E2E" userId="487bc3e3-9ce7-4cdd-b7b4-8899ea88d289" providerId="ADAL" clId="{5FF6129F-C875-4CD2-931C-44CB87FACD58}" dt="2025-07-16T13:42:18.154" v="1845" actId="20577"/>
       <pc:docMkLst>
         <pc:docMk/>
       </pc:docMkLst>
@@ -347,7 +347,7 @@
         </pc:sldMkLst>
       </pc:sldChg>
       <pc:sldChg chg="delSp modSp add mod ord">
-        <pc:chgData name="Graf Thomas, SCS-INI-NET-VNC-E2E" userId="487bc3e3-9ce7-4cdd-b7b4-8899ea88d289" providerId="ADAL" clId="{5FF6129F-C875-4CD2-931C-44CB87FACD58}" dt="2025-07-16T13:22:17.435" v="1624" actId="948"/>
+        <pc:chgData name="Graf Thomas, SCS-INI-NET-VNC-E2E" userId="487bc3e3-9ce7-4cdd-b7b4-8899ea88d289" providerId="ADAL" clId="{5FF6129F-C875-4CD2-931C-44CB87FACD58}" dt="2025-07-16T13:42:18.154" v="1845" actId="20577"/>
         <pc:sldMkLst>
           <pc:docMk/>
           <pc:sldMk cId="650935492" sldId="2145706297"/>
@@ -361,7 +361,7 @@
           </ac:spMkLst>
         </pc:spChg>
         <pc:spChg chg="mod">
-          <ac:chgData name="Graf Thomas, SCS-INI-NET-VNC-E2E" userId="487bc3e3-9ce7-4cdd-b7b4-8899ea88d289" providerId="ADAL" clId="{5FF6129F-C875-4CD2-931C-44CB87FACD58}" dt="2025-07-16T13:22:17.435" v="1624" actId="948"/>
+          <ac:chgData name="Graf Thomas, SCS-INI-NET-VNC-E2E" userId="487bc3e3-9ce7-4cdd-b7b4-8899ea88d289" providerId="ADAL" clId="{5FF6129F-C875-4CD2-931C-44CB87FACD58}" dt="2025-07-16T13:42:18.154" v="1845" actId="20577"/>
           <ac:spMkLst>
             <pc:docMk/>
             <pc:sldMk cId="650935492" sldId="2145706297"/>
@@ -378,7 +378,7 @@
         </pc:spChg>
       </pc:sldChg>
       <pc:sldChg chg="modSp add mod">
-        <pc:chgData name="Graf Thomas, SCS-INI-NET-VNC-E2E" userId="487bc3e3-9ce7-4cdd-b7b4-8899ea88d289" providerId="ADAL" clId="{5FF6129F-C875-4CD2-931C-44CB87FACD58}" dt="2025-07-16T13:22:46.497" v="1626" actId="948"/>
+        <pc:chgData name="Graf Thomas, SCS-INI-NET-VNC-E2E" userId="487bc3e3-9ce7-4cdd-b7b4-8899ea88d289" providerId="ADAL" clId="{5FF6129F-C875-4CD2-931C-44CB87FACD58}" dt="2025-07-16T13:41:21.570" v="1810" actId="20577"/>
         <pc:sldMkLst>
           <pc:docMk/>
           <pc:sldMk cId="76189636" sldId="2145706298"/>
@@ -392,7 +392,7 @@
           </ac:spMkLst>
         </pc:spChg>
         <pc:spChg chg="mod">
-          <ac:chgData name="Graf Thomas, SCS-INI-NET-VNC-E2E" userId="487bc3e3-9ce7-4cdd-b7b4-8899ea88d289" providerId="ADAL" clId="{5FF6129F-C875-4CD2-931C-44CB87FACD58}" dt="2025-07-16T13:22:46.497" v="1626" actId="948"/>
+          <ac:chgData name="Graf Thomas, SCS-INI-NET-VNC-E2E" userId="487bc3e3-9ce7-4cdd-b7b4-8899ea88d289" providerId="ADAL" clId="{5FF6129F-C875-4CD2-931C-44CB87FACD58}" dt="2025-07-16T13:41:21.570" v="1810" actId="20577"/>
           <ac:spMkLst>
             <pc:docMk/>
             <pc:sldMk cId="76189636" sldId="2145706298"/>
@@ -7390,7 +7390,7 @@
           </a:prstGeom>
           <a:extLst>
             <a:ext uri="{C572A759-6A51-4108-AA02-DFA0A04FC94B}">
-              <ma14:wrappingTextBoxFlag xmlns="" xmlns:m="http://schemas.openxmlformats.org/officeDocument/2006/math" xmlns:a14="http://schemas.microsoft.com/office/drawing/2010/main" xmlns:ma14="http://schemas.microsoft.com/office/mac/drawingml/2011/main" val="1"/>
+              <ma14:wrappingTextBoxFlag xmlns:ma14="http://schemas.microsoft.com/office/mac/drawingml/2011/main" xmlns:a14="http://schemas.microsoft.com/office/drawing/2010/main" xmlns:m="http://schemas.openxmlformats.org/officeDocument/2006/math" xmlns="" val="1"/>
             </a:ext>
           </a:extLst>
         </p:spPr>
@@ -7462,7 +7462,7 @@
           </a:ln>
           <a:extLst>
             <a:ext uri="{C572A759-6A51-4108-AA02-DFA0A04FC94B}">
-              <ma14:wrappingTextBoxFlag xmlns="" xmlns:m="http://schemas.openxmlformats.org/officeDocument/2006/math" xmlns:a14="http://schemas.microsoft.com/office/drawing/2010/main" xmlns:ma14="http://schemas.microsoft.com/office/mac/drawingml/2011/main" val="1"/>
+              <ma14:wrappingTextBoxFlag xmlns:ma14="http://schemas.microsoft.com/office/mac/drawingml/2011/main" xmlns:a14="http://schemas.microsoft.com/office/drawing/2010/main" xmlns:m="http://schemas.openxmlformats.org/officeDocument/2006/math" xmlns="" val="1"/>
             </a:ext>
           </a:extLst>
         </p:spPr>
@@ -7583,7 +7583,7 @@
           </a:ln>
           <a:extLst>
             <a:ext uri="{C572A759-6A51-4108-AA02-DFA0A04FC94B}">
-              <ma14:wrappingTextBoxFlag xmlns="" xmlns:m="http://schemas.openxmlformats.org/officeDocument/2006/math" xmlns:a14="http://schemas.microsoft.com/office/drawing/2010/main" xmlns:ma14="http://schemas.microsoft.com/office/mac/drawingml/2011/main" val="1"/>
+              <ma14:wrappingTextBoxFlag xmlns:ma14="http://schemas.microsoft.com/office/mac/drawingml/2011/main" xmlns:a14="http://schemas.microsoft.com/office/drawing/2010/main" xmlns:m="http://schemas.openxmlformats.org/officeDocument/2006/math" xmlns="" val="1"/>
             </a:ext>
           </a:extLst>
         </p:spPr>
@@ -8902,7 +8902,23 @@
             </a:r>
             <a:r>
               <a:rPr lang="en-US" sz="2000" dirty="0"/>
-              <a:t>, Reshad and Paul. Thanks a lot for the review!</a:t>
+              <a:t> </a:t>
+            </a:r>
+            <a:r>
+              <a:rPr lang="en-US" sz="2000" dirty="0" err="1"/>
+              <a:t>Geib</a:t>
+            </a:r>
+            <a:r>
+              <a:rPr lang="en-US" sz="2000" dirty="0"/>
+              <a:t> (</a:t>
+            </a:r>
+            <a:r>
+              <a:rPr lang="en-US" sz="2000" dirty="0" err="1"/>
+              <a:t>offlist</a:t>
+            </a:r>
+            <a:r>
+              <a:rPr lang="en-US" sz="2000" dirty="0"/>
+              <a:t>), Reshad Rahman and Paul Aitken. Thanks a lot for the review!</a:t>
             </a:r>
           </a:p>
         </p:txBody>
@@ -11179,6 +11195,20 @@
             <a:r>
               <a:rPr lang="en-US" sz="2000" dirty="0"/>
               <a:t>.</a:t>
+            </a:r>
+          </a:p>
+          <a:p>
+            <a:pPr>
+              <a:spcBef>
+                <a:spcPts val="300"/>
+              </a:spcBef>
+              <a:spcAft>
+                <a:spcPts val="300"/>
+              </a:spcAft>
+            </a:pPr>
+            <a:r>
+              <a:rPr lang="en-US" sz="2000" dirty="0"/>
+              <a:t>Received review from Paul Aitken which will be addressed in -04.</a:t>
             </a:r>
           </a:p>
         </p:txBody>

--- a/123/NMOP/draft-ietf-nmop-network-anomaly-architecture-semantics-lifecycle.pptx
+++ b/123/NMOP/draft-ietf-nmop-network-anomaly-architecture-semantics-lifecycle.pptx
@@ -140,7 +140,7 @@
   <pc:docChgLst>
     <pc:chgData name="Graf Thomas, SCS-INI-NET-VNC-E2E" userId="487bc3e3-9ce7-4cdd-b7b4-8899ea88d289" providerId="ADAL" clId="{5FF6129F-C875-4CD2-931C-44CB87FACD58}"/>
     <pc:docChg chg="undo custSel addSld delSld modSld sldOrd">
-      <pc:chgData name="Graf Thomas, SCS-INI-NET-VNC-E2E" userId="487bc3e3-9ce7-4cdd-b7b4-8899ea88d289" providerId="ADAL" clId="{5FF6129F-C875-4CD2-931C-44CB87FACD58}" dt="2025-07-16T13:42:18.154" v="1845" actId="20577"/>
+      <pc:chgData name="Graf Thomas, SCS-INI-NET-VNC-E2E" userId="487bc3e3-9ce7-4cdd-b7b4-8899ea88d289" providerId="ADAL" clId="{5FF6129F-C875-4CD2-931C-44CB87FACD58}" dt="2025-07-17T14:16:06.865" v="1918" actId="207"/>
       <pc:docMkLst>
         <pc:docMk/>
       </pc:docMkLst>
@@ -166,7 +166,7 @@
         </pc:sldMkLst>
       </pc:sldChg>
       <pc:sldChg chg="modSp mod">
-        <pc:chgData name="Graf Thomas, SCS-INI-NET-VNC-E2E" userId="487bc3e3-9ce7-4cdd-b7b4-8899ea88d289" providerId="ADAL" clId="{5FF6129F-C875-4CD2-931C-44CB87FACD58}" dt="2025-07-16T13:24:31.834" v="1740" actId="20577"/>
+        <pc:chgData name="Graf Thomas, SCS-INI-NET-VNC-E2E" userId="487bc3e3-9ce7-4cdd-b7b4-8899ea88d289" providerId="ADAL" clId="{5FF6129F-C875-4CD2-931C-44CB87FACD58}" dt="2025-07-17T14:10:37.373" v="1846" actId="20577"/>
         <pc:sldMkLst>
           <pc:docMk/>
           <pc:sldMk cId="3578665336" sldId="1041"/>
@@ -180,7 +180,7 @@
           </ac:spMkLst>
         </pc:spChg>
         <pc:spChg chg="mod">
-          <ac:chgData name="Graf Thomas, SCS-INI-NET-VNC-E2E" userId="487bc3e3-9ce7-4cdd-b7b4-8899ea88d289" providerId="ADAL" clId="{5FF6129F-C875-4CD2-931C-44CB87FACD58}" dt="2025-07-16T12:01:20.379" v="10" actId="20577"/>
+          <ac:chgData name="Graf Thomas, SCS-INI-NET-VNC-E2E" userId="487bc3e3-9ce7-4cdd-b7b4-8899ea88d289" providerId="ADAL" clId="{5FF6129F-C875-4CD2-931C-44CB87FACD58}" dt="2025-07-17T14:10:37.373" v="1846" actId="20577"/>
           <ac:spMkLst>
             <pc:docMk/>
             <pc:sldMk cId="3578665336" sldId="1041"/>
@@ -551,7 +551,7 @@
         </pc:picChg>
       </pc:sldChg>
       <pc:sldChg chg="addSp delSp modSp add mod">
-        <pc:chgData name="Graf Thomas, SCS-INI-NET-VNC-E2E" userId="487bc3e3-9ce7-4cdd-b7b4-8899ea88d289" providerId="ADAL" clId="{5FF6129F-C875-4CD2-931C-44CB87FACD58}" dt="2025-07-16T12:47:06.911" v="780" actId="255"/>
+        <pc:chgData name="Graf Thomas, SCS-INI-NET-VNC-E2E" userId="487bc3e3-9ce7-4cdd-b7b4-8899ea88d289" providerId="ADAL" clId="{5FF6129F-C875-4CD2-931C-44CB87FACD58}" dt="2025-07-17T14:11:39.997" v="1848" actId="108"/>
         <pc:sldMkLst>
           <pc:docMk/>
           <pc:sldMk cId="3410252203" sldId="2145706301"/>
@@ -597,7 +597,7 @@
           </ac:spMkLst>
         </pc:spChg>
         <pc:spChg chg="add mod">
-          <ac:chgData name="Graf Thomas, SCS-INI-NET-VNC-E2E" userId="487bc3e3-9ce7-4cdd-b7b4-8899ea88d289" providerId="ADAL" clId="{5FF6129F-C875-4CD2-931C-44CB87FACD58}" dt="2025-07-16T12:37:32.584" v="641" actId="255"/>
+          <ac:chgData name="Graf Thomas, SCS-INI-NET-VNC-E2E" userId="487bc3e3-9ce7-4cdd-b7b4-8899ea88d289" providerId="ADAL" clId="{5FF6129F-C875-4CD2-931C-44CB87FACD58}" dt="2025-07-17T14:11:33.797" v="1847" actId="108"/>
           <ac:spMkLst>
             <pc:docMk/>
             <pc:sldMk cId="3410252203" sldId="2145706301"/>
@@ -605,7 +605,7 @@
           </ac:spMkLst>
         </pc:spChg>
         <pc:spChg chg="add mod">
-          <ac:chgData name="Graf Thomas, SCS-INI-NET-VNC-E2E" userId="487bc3e3-9ce7-4cdd-b7b4-8899ea88d289" providerId="ADAL" clId="{5FF6129F-C875-4CD2-931C-44CB87FACD58}" dt="2025-07-16T12:37:32.584" v="641" actId="255"/>
+          <ac:chgData name="Graf Thomas, SCS-INI-NET-VNC-E2E" userId="487bc3e3-9ce7-4cdd-b7b4-8899ea88d289" providerId="ADAL" clId="{5FF6129F-C875-4CD2-931C-44CB87FACD58}" dt="2025-07-17T14:11:39.997" v="1848" actId="108"/>
           <ac:spMkLst>
             <pc:docMk/>
             <pc:sldMk cId="3410252203" sldId="2145706301"/>
@@ -638,7 +638,7 @@
         </pc:cxnChg>
       </pc:sldChg>
       <pc:sldChg chg="addSp delSp modSp add mod">
-        <pc:chgData name="Graf Thomas, SCS-INI-NET-VNC-E2E" userId="487bc3e3-9ce7-4cdd-b7b4-8899ea88d289" providerId="ADAL" clId="{5FF6129F-C875-4CD2-931C-44CB87FACD58}" dt="2025-07-16T12:47:13.587" v="781" actId="255"/>
+        <pc:chgData name="Graf Thomas, SCS-INI-NET-VNC-E2E" userId="487bc3e3-9ce7-4cdd-b7b4-8899ea88d289" providerId="ADAL" clId="{5FF6129F-C875-4CD2-931C-44CB87FACD58}" dt="2025-07-17T14:15:41.687" v="1917" actId="20577"/>
         <pc:sldMkLst>
           <pc:docMk/>
           <pc:sldMk cId="1153269146" sldId="2145706302"/>
@@ -660,7 +660,7 @@
           </ac:spMkLst>
         </pc:spChg>
         <pc:spChg chg="add mod">
-          <ac:chgData name="Graf Thomas, SCS-INI-NET-VNC-E2E" userId="487bc3e3-9ce7-4cdd-b7b4-8899ea88d289" providerId="ADAL" clId="{5FF6129F-C875-4CD2-931C-44CB87FACD58}" dt="2025-07-16T12:46:23.851" v="710" actId="948"/>
+          <ac:chgData name="Graf Thomas, SCS-INI-NET-VNC-E2E" userId="487bc3e3-9ce7-4cdd-b7b4-8899ea88d289" providerId="ADAL" clId="{5FF6129F-C875-4CD2-931C-44CB87FACD58}" dt="2025-07-17T14:15:41.687" v="1917" actId="20577"/>
           <ac:spMkLst>
             <pc:docMk/>
             <pc:sldMk cId="1153269146" sldId="2145706302"/>
@@ -668,7 +668,7 @@
           </ac:spMkLst>
         </pc:spChg>
         <pc:spChg chg="add mod">
-          <ac:chgData name="Graf Thomas, SCS-INI-NET-VNC-E2E" userId="487bc3e3-9ce7-4cdd-b7b4-8899ea88d289" providerId="ADAL" clId="{5FF6129F-C875-4CD2-931C-44CB87FACD58}" dt="2025-07-16T12:39:25.888" v="653"/>
+          <ac:chgData name="Graf Thomas, SCS-INI-NET-VNC-E2E" userId="487bc3e3-9ce7-4cdd-b7b4-8899ea88d289" providerId="ADAL" clId="{5FF6129F-C875-4CD2-931C-44CB87FACD58}" dt="2025-07-17T14:14:11.337" v="1877" actId="14100"/>
           <ac:spMkLst>
             <pc:docMk/>
             <pc:sldMk cId="1153269146" sldId="2145706302"/>
@@ -716,7 +716,7 @@
           </ac:picMkLst>
         </pc:picChg>
         <pc:picChg chg="add mod">
-          <ac:chgData name="Graf Thomas, SCS-INI-NET-VNC-E2E" userId="487bc3e3-9ce7-4cdd-b7b4-8899ea88d289" providerId="ADAL" clId="{5FF6129F-C875-4CD2-931C-44CB87FACD58}" dt="2025-07-16T12:46:54.067" v="779" actId="1035"/>
+          <ac:chgData name="Graf Thomas, SCS-INI-NET-VNC-E2E" userId="487bc3e3-9ce7-4cdd-b7b4-8899ea88d289" providerId="ADAL" clId="{5FF6129F-C875-4CD2-931C-44CB87FACD58}" dt="2025-07-17T14:13:00.150" v="1855" actId="1076"/>
           <ac:picMkLst>
             <pc:docMk/>
             <pc:sldMk cId="1153269146" sldId="2145706302"/>
@@ -724,7 +724,7 @@
           </ac:picMkLst>
         </pc:picChg>
         <pc:picChg chg="add mod">
-          <ac:chgData name="Graf Thomas, SCS-INI-NET-VNC-E2E" userId="487bc3e3-9ce7-4cdd-b7b4-8899ea88d289" providerId="ADAL" clId="{5FF6129F-C875-4CD2-931C-44CB87FACD58}" dt="2025-07-16T12:46:48.947" v="776" actId="1036"/>
+          <ac:chgData name="Graf Thomas, SCS-INI-NET-VNC-E2E" userId="487bc3e3-9ce7-4cdd-b7b4-8899ea88d289" providerId="ADAL" clId="{5FF6129F-C875-4CD2-931C-44CB87FACD58}" dt="2025-07-17T14:12:55.633" v="1854" actId="1076"/>
           <ac:picMkLst>
             <pc:docMk/>
             <pc:sldMk cId="1153269146" sldId="2145706302"/>
@@ -732,7 +732,7 @@
           </ac:picMkLst>
         </pc:picChg>
         <pc:picChg chg="add mod">
-          <ac:chgData name="Graf Thomas, SCS-INI-NET-VNC-E2E" userId="487bc3e3-9ce7-4cdd-b7b4-8899ea88d289" providerId="ADAL" clId="{5FF6129F-C875-4CD2-931C-44CB87FACD58}" dt="2025-07-16T12:46:31.805" v="735" actId="1035"/>
+          <ac:chgData name="Graf Thomas, SCS-INI-NET-VNC-E2E" userId="487bc3e3-9ce7-4cdd-b7b4-8899ea88d289" providerId="ADAL" clId="{5FF6129F-C875-4CD2-931C-44CB87FACD58}" dt="2025-07-17T14:12:46.846" v="1851" actId="1076"/>
           <ac:picMkLst>
             <pc:docMk/>
             <pc:sldMk cId="1153269146" sldId="2145706302"/>
@@ -740,7 +740,7 @@
           </ac:picMkLst>
         </pc:picChg>
         <pc:picChg chg="add mod">
-          <ac:chgData name="Graf Thomas, SCS-INI-NET-VNC-E2E" userId="487bc3e3-9ce7-4cdd-b7b4-8899ea88d289" providerId="ADAL" clId="{5FF6129F-C875-4CD2-931C-44CB87FACD58}" dt="2025-07-16T12:46:38.501" v="750" actId="1036"/>
+          <ac:chgData name="Graf Thomas, SCS-INI-NET-VNC-E2E" userId="487bc3e3-9ce7-4cdd-b7b4-8899ea88d289" providerId="ADAL" clId="{5FF6129F-C875-4CD2-931C-44CB87FACD58}" dt="2025-07-17T14:12:51.762" v="1853" actId="1076"/>
           <ac:picMkLst>
             <pc:docMk/>
             <pc:sldMk cId="1153269146" sldId="2145706302"/>
@@ -748,7 +748,7 @@
           </ac:picMkLst>
         </pc:picChg>
         <pc:picChg chg="add mod">
-          <ac:chgData name="Graf Thomas, SCS-INI-NET-VNC-E2E" userId="487bc3e3-9ce7-4cdd-b7b4-8899ea88d289" providerId="ADAL" clId="{5FF6129F-C875-4CD2-931C-44CB87FACD58}" dt="2025-07-16T12:46:35.891" v="747" actId="1036"/>
+          <ac:chgData name="Graf Thomas, SCS-INI-NET-VNC-E2E" userId="487bc3e3-9ce7-4cdd-b7b4-8899ea88d289" providerId="ADAL" clId="{5FF6129F-C875-4CD2-931C-44CB87FACD58}" dt="2025-07-17T14:12:49.317" v="1852" actId="1076"/>
           <ac:picMkLst>
             <pc:docMk/>
             <pc:sldMk cId="1153269146" sldId="2145706302"/>
@@ -756,7 +756,7 @@
           </ac:picMkLst>
         </pc:picChg>
         <pc:picChg chg="add mod">
-          <ac:chgData name="Graf Thomas, SCS-INI-NET-VNC-E2E" userId="487bc3e3-9ce7-4cdd-b7b4-8899ea88d289" providerId="ADAL" clId="{5FF6129F-C875-4CD2-931C-44CB87FACD58}" dt="2025-07-16T12:39:25.888" v="653"/>
+          <ac:chgData name="Graf Thomas, SCS-INI-NET-VNC-E2E" userId="487bc3e3-9ce7-4cdd-b7b4-8899ea88d289" providerId="ADAL" clId="{5FF6129F-C875-4CD2-931C-44CB87FACD58}" dt="2025-07-17T14:13:03.728" v="1856" actId="1076"/>
           <ac:picMkLst>
             <pc:docMk/>
             <pc:sldMk cId="1153269146" sldId="2145706302"/>
@@ -764,7 +764,7 @@
           </ac:picMkLst>
         </pc:picChg>
         <pc:picChg chg="add mod">
-          <ac:chgData name="Graf Thomas, SCS-INI-NET-VNC-E2E" userId="487bc3e3-9ce7-4cdd-b7b4-8899ea88d289" providerId="ADAL" clId="{5FF6129F-C875-4CD2-931C-44CB87FACD58}" dt="2025-07-16T12:39:25.888" v="653"/>
+          <ac:chgData name="Graf Thomas, SCS-INI-NET-VNC-E2E" userId="487bc3e3-9ce7-4cdd-b7b4-8899ea88d289" providerId="ADAL" clId="{5FF6129F-C875-4CD2-931C-44CB87FACD58}" dt="2025-07-17T14:13:06.316" v="1857" actId="1076"/>
           <ac:picMkLst>
             <pc:docMk/>
             <pc:sldMk cId="1153269146" sldId="2145706302"/>
@@ -971,7 +971,7 @@
         </pc:cxnChg>
       </pc:sldChg>
       <pc:sldChg chg="addSp delSp modSp add mod">
-        <pc:chgData name="Graf Thomas, SCS-INI-NET-VNC-E2E" userId="487bc3e3-9ce7-4cdd-b7b4-8899ea88d289" providerId="ADAL" clId="{5FF6129F-C875-4CD2-931C-44CB87FACD58}" dt="2025-07-16T12:47:28.439" v="785" actId="255"/>
+        <pc:chgData name="Graf Thomas, SCS-INI-NET-VNC-E2E" userId="487bc3e3-9ce7-4cdd-b7b4-8899ea88d289" providerId="ADAL" clId="{5FF6129F-C875-4CD2-931C-44CB87FACD58}" dt="2025-07-17T14:16:06.865" v="1918" actId="207"/>
         <pc:sldMkLst>
           <pc:docMk/>
           <pc:sldMk cId="2437048275" sldId="2145706304"/>
@@ -985,7 +985,7 @@
           </ac:spMkLst>
         </pc:spChg>
         <pc:spChg chg="add mod">
-          <ac:chgData name="Graf Thomas, SCS-INI-NET-VNC-E2E" userId="487bc3e3-9ce7-4cdd-b7b4-8899ea88d289" providerId="ADAL" clId="{5FF6129F-C875-4CD2-931C-44CB87FACD58}" dt="2025-07-16T12:44:27.685" v="698" actId="1076"/>
+          <ac:chgData name="Graf Thomas, SCS-INI-NET-VNC-E2E" userId="487bc3e3-9ce7-4cdd-b7b4-8899ea88d289" providerId="ADAL" clId="{5FF6129F-C875-4CD2-931C-44CB87FACD58}" dt="2025-07-17T14:16:06.865" v="1918" actId="207"/>
           <ac:spMkLst>
             <pc:docMk/>
             <pc:sldMk cId="2437048275" sldId="2145706304"/>
@@ -1469,7 +1469,7 @@
           <a:p>
             <a:fld id="{E5E705E9-673F-4AC4-B29E-A7B26F3B8523}" type="datetimeFigureOut">
               <a:rPr lang="de-CH" smtClean="0"/>
-              <a:t>16.07.2025</a:t>
+              <a:t>17.07.2025</a:t>
             </a:fld>
             <a:endParaRPr lang="de-CH"/>
           </a:p>
@@ -1970,7 +1970,7 @@
           <a:p>
             <a:fld id="{9E9B238C-2335-4007-98C9-471C02CC43B6}" type="datetimeFigureOut">
               <a:rPr lang="de-CH" smtClean="0"/>
-              <a:t>16.07.2025</a:t>
+              <a:t>17.07.2025</a:t>
             </a:fld>
             <a:endParaRPr lang="de-CH"/>
           </a:p>
@@ -2170,7 +2170,7 @@
           <a:p>
             <a:fld id="{9E9B238C-2335-4007-98C9-471C02CC43B6}" type="datetimeFigureOut">
               <a:rPr lang="de-CH" smtClean="0"/>
-              <a:t>16.07.2025</a:t>
+              <a:t>17.07.2025</a:t>
             </a:fld>
             <a:endParaRPr lang="de-CH"/>
           </a:p>
@@ -2380,7 +2380,7 @@
           <a:p>
             <a:fld id="{9E9B238C-2335-4007-98C9-471C02CC43B6}" type="datetimeFigureOut">
               <a:rPr lang="de-CH" smtClean="0"/>
-              <a:t>16.07.2025</a:t>
+              <a:t>17.07.2025</a:t>
             </a:fld>
             <a:endParaRPr lang="de-CH"/>
           </a:p>
@@ -2809,7 +2809,7 @@
           <a:p>
             <a:fld id="{9E9B238C-2335-4007-98C9-471C02CC43B6}" type="datetimeFigureOut">
               <a:rPr lang="de-CH" smtClean="0"/>
-              <a:t>16.07.2025</a:t>
+              <a:t>17.07.2025</a:t>
             </a:fld>
             <a:endParaRPr lang="de-CH"/>
           </a:p>
@@ -3085,7 +3085,7 @@
           <a:p>
             <a:fld id="{9E9B238C-2335-4007-98C9-471C02CC43B6}" type="datetimeFigureOut">
               <a:rPr lang="de-CH" smtClean="0"/>
-              <a:t>16.07.2025</a:t>
+              <a:t>17.07.2025</a:t>
             </a:fld>
             <a:endParaRPr lang="de-CH"/>
           </a:p>
@@ -3353,7 +3353,7 @@
           <a:p>
             <a:fld id="{9E9B238C-2335-4007-98C9-471C02CC43B6}" type="datetimeFigureOut">
               <a:rPr lang="de-CH" smtClean="0"/>
-              <a:t>16.07.2025</a:t>
+              <a:t>17.07.2025</a:t>
             </a:fld>
             <a:endParaRPr lang="de-CH"/>
           </a:p>
@@ -3768,7 +3768,7 @@
           <a:p>
             <a:fld id="{9E9B238C-2335-4007-98C9-471C02CC43B6}" type="datetimeFigureOut">
               <a:rPr lang="de-CH" smtClean="0"/>
-              <a:t>16.07.2025</a:t>
+              <a:t>17.07.2025</a:t>
             </a:fld>
             <a:endParaRPr lang="de-CH"/>
           </a:p>
@@ -3910,7 +3910,7 @@
           <a:p>
             <a:fld id="{9E9B238C-2335-4007-98C9-471C02CC43B6}" type="datetimeFigureOut">
               <a:rPr lang="de-CH" smtClean="0"/>
-              <a:t>16.07.2025</a:t>
+              <a:t>17.07.2025</a:t>
             </a:fld>
             <a:endParaRPr lang="de-CH"/>
           </a:p>
@@ -4023,7 +4023,7 @@
           <a:p>
             <a:fld id="{9E9B238C-2335-4007-98C9-471C02CC43B6}" type="datetimeFigureOut">
               <a:rPr lang="de-CH" smtClean="0"/>
-              <a:t>16.07.2025</a:t>
+              <a:t>17.07.2025</a:t>
             </a:fld>
             <a:endParaRPr lang="de-CH"/>
           </a:p>
@@ -4336,7 +4336,7 @@
           <a:p>
             <a:fld id="{9E9B238C-2335-4007-98C9-471C02CC43B6}" type="datetimeFigureOut">
               <a:rPr lang="de-CH" smtClean="0"/>
-              <a:t>16.07.2025</a:t>
+              <a:t>17.07.2025</a:t>
             </a:fld>
             <a:endParaRPr lang="de-CH"/>
           </a:p>
@@ -4625,7 +4625,7 @@
           <a:p>
             <a:fld id="{9E9B238C-2335-4007-98C9-471C02CC43B6}" type="datetimeFigureOut">
               <a:rPr lang="de-CH" smtClean="0"/>
-              <a:t>16.07.2025</a:t>
+              <a:t>17.07.2025</a:t>
             </a:fld>
             <a:endParaRPr lang="de-CH"/>
           </a:p>
@@ -4868,7 +4868,7 @@
           <a:p>
             <a:fld id="{9E9B238C-2335-4007-98C9-471C02CC43B6}" type="datetimeFigureOut">
               <a:rPr lang="de-CH" smtClean="0"/>
-              <a:t>16.07.2025</a:t>
+              <a:t>17.07.2025</a:t>
             </a:fld>
             <a:endParaRPr lang="de-CH"/>
           </a:p>
@@ -5717,7 +5717,7 @@
               <a:rPr lang="de-CH" sz="1400" dirty="0">
                 <a:latin typeface="+mj-lt"/>
               </a:rPr>
-              <a:t>16. </a:t>
+              <a:t>17. </a:t>
             </a:r>
             <a:r>
               <a:rPr lang="de-CH" sz="1400" dirty="0" err="1">
@@ -6139,36 +6139,8 @@
           <a:p>
             <a:pPr algn="ctr"/>
             <a:r>
-              <a:rPr lang="en-US" sz="1500" b="1" dirty="0">
-                <a:solidFill>
-                  <a:srgbClr val="FF0000"/>
-                </a:solidFill>
-              </a:rPr>
-              <a:t>National holiday information should be considered to improve accuracy of Contextual outliers</a:t>
-            </a:r>
-            <a:r>
-              <a:rPr lang="en-US" sz="1500" b="1" dirty="0">
-                <a:solidFill>
-                  <a:schemeClr val="accent1"/>
-                </a:solidFill>
-              </a:rPr>
-              <a:t> </a:t>
-            </a:r>
-            <a:r>
-              <a:rPr lang="en-US" sz="1500" b="1" dirty="0">
-                <a:solidFill>
-                  <a:srgbClr val="92D050"/>
-                </a:solidFill>
-              </a:rPr>
-              <a:t>for seasonal traffic volume and flow count change categorized profiles in the missing traffic and flow count spike strategies </a:t>
-            </a:r>
-            <a:r>
-              <a:rPr lang="en-US" sz="1500" b="1" dirty="0">
-                <a:solidFill>
-                  <a:srgbClr val="FFC000"/>
-                </a:solidFill>
-              </a:rPr>
-              <a:t>and declared in symptom semantics.</a:t>
+              <a:rPr lang="en-US" sz="1500" b="1" dirty="0"/>
+              <a:t>National holiday information should be considered to improve accuracy of Contextual outliers for seasonal traffic volume and flow count change categorized profiles in the missing traffic and flow count spike strategies and declared in symptom semantics.</a:t>
             </a:r>
           </a:p>
           <a:p>
@@ -7390,7 +7362,7 @@
           </a:prstGeom>
           <a:extLst>
             <a:ext uri="{C572A759-6A51-4108-AA02-DFA0A04FC94B}">
-              <ma14:wrappingTextBoxFlag xmlns:ma14="http://schemas.microsoft.com/office/mac/drawingml/2011/main" xmlns:a14="http://schemas.microsoft.com/office/drawing/2010/main" xmlns:m="http://schemas.openxmlformats.org/officeDocument/2006/math" xmlns="" val="1"/>
+              <ma14:wrappingTextBoxFlag xmlns="" xmlns:m="http://schemas.openxmlformats.org/officeDocument/2006/math" xmlns:a14="http://schemas.microsoft.com/office/drawing/2010/main" xmlns:ma14="http://schemas.microsoft.com/office/mac/drawingml/2011/main" val="1"/>
             </a:ext>
           </a:extLst>
         </p:spPr>
@@ -7462,7 +7434,7 @@
           </a:ln>
           <a:extLst>
             <a:ext uri="{C572A759-6A51-4108-AA02-DFA0A04FC94B}">
-              <ma14:wrappingTextBoxFlag xmlns:ma14="http://schemas.microsoft.com/office/mac/drawingml/2011/main" xmlns:a14="http://schemas.microsoft.com/office/drawing/2010/main" xmlns:m="http://schemas.openxmlformats.org/officeDocument/2006/math" xmlns="" val="1"/>
+              <ma14:wrappingTextBoxFlag xmlns="" xmlns:m="http://schemas.openxmlformats.org/officeDocument/2006/math" xmlns:a14="http://schemas.microsoft.com/office/drawing/2010/main" xmlns:ma14="http://schemas.microsoft.com/office/mac/drawingml/2011/main" val="1"/>
             </a:ext>
           </a:extLst>
         </p:spPr>
@@ -7583,7 +7555,7 @@
           </a:ln>
           <a:extLst>
             <a:ext uri="{C572A759-6A51-4108-AA02-DFA0A04FC94B}">
-              <ma14:wrappingTextBoxFlag xmlns:ma14="http://schemas.microsoft.com/office/mac/drawingml/2011/main" xmlns:a14="http://schemas.microsoft.com/office/drawing/2010/main" xmlns:m="http://schemas.openxmlformats.org/officeDocument/2006/math" xmlns="" val="1"/>
+              <ma14:wrappingTextBoxFlag xmlns="" xmlns:m="http://schemas.openxmlformats.org/officeDocument/2006/math" xmlns:a14="http://schemas.microsoft.com/office/drawing/2010/main" xmlns:ma14="http://schemas.microsoft.com/office/mac/drawingml/2011/main" val="1"/>
             </a:ext>
           </a:extLst>
         </p:spPr>
@@ -18826,45 +18798,9 @@
             <a:pPr algn="ctr"/>
             <a:r>
               <a:rPr lang="en-US" sz="1500" b="1" dirty="0"/>
-              <a:t>Shows </a:t>
-            </a:r>
-            <a:r>
-              <a:rPr lang="en-US" sz="1500" b="1" dirty="0">
-                <a:solidFill>
-                  <a:srgbClr val="FF0000"/>
-                </a:solidFill>
-              </a:rPr>
-              <a:t>traffic bad TTL, adjacency drops </a:t>
-            </a:r>
-            <a:r>
-              <a:rPr lang="en-US" sz="1500" b="1" dirty="0"/>
-              <a:t>and</a:t>
-            </a:r>
-            <a:r>
-              <a:rPr lang="en-US" sz="1500" b="1" dirty="0">
-                <a:solidFill>
-                  <a:srgbClr val="FFC000"/>
-                </a:solidFill>
-              </a:rPr>
-              <a:t> traffic volume changes due to public holidays,</a:t>
-            </a:r>
-            <a:r>
-              <a:rPr lang="en-US" sz="1500" b="1" dirty="0"/>
-              <a:t> </a:t>
-            </a:r>
-            <a:r>
-              <a:rPr lang="en-US" sz="1500" b="1" dirty="0">
-                <a:solidFill>
-                  <a:srgbClr val="92D050"/>
-                </a:solidFill>
-              </a:rPr>
-              <a:t>Measured with IPFIX and Correlated with BGP VPNv4/6.</a:t>
-            </a:r>
-            <a:endParaRPr lang="de-CH" sz="1500" dirty="0">
-              <a:solidFill>
-                <a:srgbClr val="92D050"/>
-              </a:solidFill>
-            </a:endParaRPr>
+              <a:t>Shows traffic bad TTL, adjacency drops and traffic volume changes due to public holidays, Measured with IPFIX and Correlated with BGP VPNv4/6.</a:t>
+            </a:r>
+            <a:endParaRPr lang="de-CH" sz="1500" b="1" dirty="0"/>
           </a:p>
         </p:txBody>
       </p:sp>
@@ -18898,45 +18834,9 @@
             <a:pPr algn="ctr"/>
             <a:r>
               <a:rPr lang="en-US" sz="1500" b="1" dirty="0"/>
-              <a:t>Shows </a:t>
-            </a:r>
-            <a:r>
-              <a:rPr lang="en-US" sz="1500" b="1" dirty="0">
-                <a:solidFill>
-                  <a:srgbClr val="FF0000"/>
-                </a:solidFill>
-              </a:rPr>
-              <a:t>constant BGP topology changes </a:t>
-            </a:r>
-            <a:r>
-              <a:rPr lang="en-US" sz="1500" b="1" dirty="0"/>
-              <a:t>and </a:t>
-            </a:r>
-            <a:r>
-              <a:rPr lang="en-US" sz="1500" b="1" dirty="0">
-                <a:solidFill>
-                  <a:srgbClr val="FFC000"/>
-                </a:solidFill>
-              </a:rPr>
-              <a:t>flow count changes due to public holidays.</a:t>
-            </a:r>
-            <a:r>
-              <a:rPr lang="en-US" sz="1500" b="1" dirty="0"/>
-              <a:t> </a:t>
-            </a:r>
-            <a:r>
-              <a:rPr lang="en-US" sz="1500" b="1" dirty="0">
-                <a:solidFill>
-                  <a:srgbClr val="92D050"/>
-                </a:solidFill>
-              </a:rPr>
-              <a:t>Measured with IPFIX and Correlated with BGP VPNv4/6, BMP Adj-RIB In and Local RIB.</a:t>
-            </a:r>
-            <a:endParaRPr lang="de-CH" sz="1500" dirty="0">
-              <a:solidFill>
-                <a:srgbClr val="92D050"/>
-              </a:solidFill>
-            </a:endParaRPr>
+              <a:t>Shows constant BGP topology changes and flow count changes due to public holidays. Measured with IPFIX and Correlated with BGP VPNv4/6, BMP Adj-RIB In and Local RIB.</a:t>
+            </a:r>
+            <a:endParaRPr lang="de-CH" sz="1500" b="1" dirty="0"/>
           </a:p>
         </p:txBody>
       </p:sp>
@@ -19196,8 +19096,8 @@
         </p:nvSpPr>
         <p:spPr bwMode="black">
           <a:xfrm>
-            <a:off x="9222114" y="1716912"/>
-            <a:ext cx="2802335" cy="4969027"/>
+            <a:off x="9222114" y="2276901"/>
+            <a:ext cx="2802335" cy="4409038"/>
           </a:xfrm>
           <a:prstGeom prst="rect">
             <a:avLst/>
@@ -19397,6 +19297,14 @@
             </a:lvl9pPr>
           </a:lstStyle>
           <a:p>
+            <a:pPr>
+              <a:spcBef>
+                <a:spcPts val="300"/>
+              </a:spcBef>
+              <a:spcAft>
+                <a:spcPts val="300"/>
+              </a:spcAft>
+            </a:pPr>
             <a:r>
               <a:rPr lang="en-US" sz="1300" b="1" dirty="0"/>
               <a:t>BMP route-monitoring Update/Withdraw check recognized </a:t>
@@ -19415,6 +19323,14 @@
             </a:r>
           </a:p>
           <a:p>
+            <a:pPr>
+              <a:spcBef>
+                <a:spcPts val="300"/>
+              </a:spcBef>
+              <a:spcAft>
+                <a:spcPts val="300"/>
+              </a:spcAft>
+            </a:pPr>
             <a:r>
               <a:rPr lang="en-US" sz="1300" dirty="0"/>
               <a:t>BMP peer Down/Up check recognized issue with </a:t>
@@ -19425,18 +19341,42 @@
             </a:r>
           </a:p>
           <a:p>
+            <a:pPr>
+              <a:spcBef>
+                <a:spcPts val="300"/>
+              </a:spcBef>
+              <a:spcAft>
+                <a:spcPts val="300"/>
+              </a:spcAft>
+            </a:pPr>
             <a:r>
               <a:rPr lang="en-US" sz="1300" dirty="0"/>
               <a:t>Interface Down/Up check did not apply.</a:t>
             </a:r>
           </a:p>
           <a:p>
+            <a:pPr>
+              <a:spcBef>
+                <a:spcPts val="300"/>
+              </a:spcBef>
+              <a:spcAft>
+                <a:spcPts val="300"/>
+              </a:spcAft>
+            </a:pPr>
             <a:r>
               <a:rPr lang="en-US" sz="1300" b="1" dirty="0"/>
               <a:t>Traffic Drop spike recognized drops due to instable routing topology.</a:t>
             </a:r>
           </a:p>
           <a:p>
+            <a:pPr>
+              <a:spcBef>
+                <a:spcPts val="300"/>
+              </a:spcBef>
+              <a:spcAft>
+                <a:spcPts val="300"/>
+              </a:spcAft>
+            </a:pPr>
             <a:r>
               <a:rPr lang="en-US" sz="1300" dirty="0"/>
               <a:t>Missing Traffic recognized traffic volume changes </a:t>
@@ -19456,28 +19396,28 @@
             </a:endParaRPr>
           </a:p>
           <a:p>
+            <a:pPr>
+              <a:spcBef>
+                <a:spcPts val="300"/>
+              </a:spcBef>
+              <a:spcAft>
+                <a:spcPts val="300"/>
+              </a:spcAft>
+            </a:pPr>
             <a:r>
               <a:rPr lang="en-US" sz="1300" dirty="0"/>
-              <a:t>Increased or decreased Flow Count triggered sporadically </a:t>
-            </a:r>
-            <a:r>
-              <a:rPr lang="en-US" sz="1300" b="1" dirty="0">
-                <a:solidFill>
-                  <a:srgbClr val="FFC000"/>
-                </a:solidFill>
-              </a:rPr>
-              <a:t>due to public holidays</a:t>
-            </a:r>
-            <a:r>
-              <a:rPr lang="en-US" sz="1300" b="1" dirty="0"/>
-              <a:t> </a:t>
-            </a:r>
-            <a:r>
-              <a:rPr lang="en-US" sz="1300" dirty="0"/>
-              <a:t>flow count changes.</a:t>
-            </a:r>
-          </a:p>
-          <a:p>
+              <a:t>Increased or decreased Flow Count was not applicable.</a:t>
+            </a:r>
+          </a:p>
+          <a:p>
+            <a:pPr>
+              <a:spcBef>
+                <a:spcPts val="300"/>
+              </a:spcBef>
+              <a:spcAft>
+                <a:spcPts val="300"/>
+              </a:spcAft>
+            </a:pPr>
             <a:r>
               <a:rPr lang="en-US" sz="1300" b="1" dirty="0"/>
               <a:t>Overall: 2 out of 6 checks have detected the excessive routing topology changes with drops. </a:t>
@@ -19507,8 +19447,8 @@
         </p:nvSpPr>
         <p:spPr bwMode="gray">
           <a:xfrm>
-            <a:off x="8619959" y="254769"/>
-            <a:ext cx="3488914" cy="1338828"/>
+            <a:off x="9120483" y="254769"/>
+            <a:ext cx="2988390" cy="1754326"/>
           </a:xfrm>
           <a:prstGeom prst="rect">
             <a:avLst/>
@@ -19579,7 +19519,7 @@
           <a:p>
             <a:r>
               <a:rPr lang="en-US" sz="1350" dirty="0"/>
-              <a:t>BMP Peer/Interface Down: </a:t>
+              <a:t>BMP Peer: </a:t>
             </a:r>
             <a:r>
               <a:rPr lang="en-US" sz="1350" b="1" dirty="0">
@@ -19587,14 +19527,14 @@
                   <a:srgbClr val="FF0000"/>
                 </a:solidFill>
               </a:rPr>
-              <a:t>0.96/0.00</a:t>
-            </a:r>
-            <a:br>
+              <a:t>0.96</a:t>
+            </a:r>
+            <a:endParaRPr lang="en-US" sz="1350" dirty="0"/>
+          </a:p>
+          <a:p>
+            <a:r>
               <a:rPr lang="en-US" sz="1350" dirty="0"/>
-            </a:br>
-            <a:r>
-              <a:rPr lang="en-US" sz="1350" dirty="0"/>
-              <a:t>BMP Update/Withdrawal: </a:t>
+              <a:t>Interface Down: </a:t>
             </a:r>
             <a:r>
               <a:rPr lang="en-US" sz="1350" b="1" dirty="0">
@@ -19602,7 +19542,37 @@
                   <a:srgbClr val="FF0000"/>
                 </a:solidFill>
               </a:rPr>
-              <a:t>1.00/1.00</a:t>
+              <a:t>0.00</a:t>
+            </a:r>
+            <a:br>
+              <a:rPr lang="en-US" sz="1350" dirty="0"/>
+            </a:br>
+            <a:r>
+              <a:rPr lang="en-US" sz="1350" dirty="0"/>
+              <a:t>BMP Update: </a:t>
+            </a:r>
+            <a:r>
+              <a:rPr lang="en-US" sz="1350" b="1" dirty="0">
+                <a:solidFill>
+                  <a:srgbClr val="FF0000"/>
+                </a:solidFill>
+              </a:rPr>
+              <a:t>1.00</a:t>
+            </a:r>
+            <a:endParaRPr lang="en-US" sz="1350" dirty="0"/>
+          </a:p>
+          <a:p>
+            <a:r>
+              <a:rPr lang="en-US" sz="1350" dirty="0"/>
+              <a:t>BMP Withdrawal: </a:t>
+            </a:r>
+            <a:r>
+              <a:rPr lang="en-US" sz="1350" b="1" dirty="0">
+                <a:solidFill>
+                  <a:srgbClr val="FF0000"/>
+                </a:solidFill>
+              </a:rPr>
+              <a:t>1.00</a:t>
             </a:r>
             <a:endParaRPr lang="de-CH" sz="1350" b="1" dirty="0">
               <a:solidFill>
@@ -19643,7 +19613,7 @@
         </p:blipFill>
         <p:spPr>
           <a:xfrm>
-            <a:off x="8676783" y="3239945"/>
+            <a:off x="8672979" y="3666239"/>
             <a:ext cx="409069" cy="409069"/>
           </a:xfrm>
           <a:prstGeom prst="rect">
@@ -19682,7 +19652,7 @@
         </p:blipFill>
         <p:spPr>
           <a:xfrm>
-            <a:off x="8684041" y="3663386"/>
+            <a:off x="8672979" y="4028320"/>
             <a:ext cx="409069" cy="409069"/>
           </a:xfrm>
           <a:prstGeom prst="rect">
@@ -19721,7 +19691,7 @@
         </p:blipFill>
         <p:spPr>
           <a:xfrm>
-            <a:off x="8676783" y="5659461"/>
+            <a:off x="8684041" y="5776608"/>
             <a:ext cx="410400" cy="410400"/>
           </a:xfrm>
           <a:prstGeom prst="rect">
@@ -19760,7 +19730,7 @@
         </p:blipFill>
         <p:spPr>
           <a:xfrm>
-            <a:off x="8671648" y="4166457"/>
+            <a:off x="8671648" y="4466847"/>
             <a:ext cx="410400" cy="410400"/>
           </a:xfrm>
           <a:prstGeom prst="rect">
@@ -19799,7 +19769,7 @@
         </p:blipFill>
         <p:spPr>
           <a:xfrm>
-            <a:off x="8671648" y="4780313"/>
+            <a:off x="8671648" y="4971816"/>
             <a:ext cx="410400" cy="410400"/>
           </a:xfrm>
           <a:prstGeom prst="rect">
@@ -19838,7 +19808,7 @@
         </p:blipFill>
         <p:spPr>
           <a:xfrm>
-            <a:off x="8653924" y="2450239"/>
+            <a:off x="8671648" y="2932816"/>
             <a:ext cx="410400" cy="410400"/>
           </a:xfrm>
           <a:prstGeom prst="rect">
@@ -19877,7 +19847,7 @@
         </p:blipFill>
         <p:spPr>
           <a:xfrm>
-            <a:off x="8659059" y="1680984"/>
+            <a:off x="8710082" y="2218687"/>
             <a:ext cx="410400" cy="410400"/>
           </a:xfrm>
           <a:prstGeom prst="rect">

--- a/123/NMOP/draft-ietf-nmop-network-anomaly-architecture-semantics-lifecycle.pptx
+++ b/123/NMOP/draft-ietf-nmop-network-anomaly-architecture-semantics-lifecycle.pptx
@@ -5,7 +5,7 @@
     <p:sldMasterId id="2147483648" r:id="rId1"/>
   </p:sldMasterIdLst>
   <p:notesMasterIdLst>
-    <p:notesMasterId r:id="rId15"/>
+    <p:notesMasterId r:id="rId14"/>
   </p:notesMasterIdLst>
   <p:sldIdLst>
     <p:sldId id="1041" r:id="rId2"/>
@@ -20,7 +20,6 @@
     <p:sldId id="2145706303" r:id="rId11"/>
     <p:sldId id="2145706304" r:id="rId12"/>
     <p:sldId id="2145706294" r:id="rId13"/>
-    <p:sldId id="256" r:id="rId14"/>
   </p:sldIdLst>
   <p:sldSz cx="12192000" cy="6858000"/>
   <p:notesSz cx="6858000" cy="9144000"/>
@@ -130,7 +129,7 @@
 <file path=ppt/revisionInfo.xml><?xml version="1.0" encoding="utf-8"?>
 <p1510:revInfo xmlns:a="http://schemas.openxmlformats.org/drawingml/2006/main" xmlns:r="http://schemas.openxmlformats.org/officeDocument/2006/relationships" xmlns:p1510="http://schemas.microsoft.com/office/powerpoint/2015/10/main">
   <p1510:revLst>
-    <p1510:client id="{5FF6129F-C875-4CD2-931C-44CB87FACD58}" v="25" dt="2025-07-16T13:21:05.329"/>
+    <p1510:client id="{5FF6129F-C875-4CD2-931C-44CB87FACD58}" v="26" dt="2025-07-17T14:25:51.798"/>
   </p1510:revLst>
 </p1510:revInfo>
 </file>
@@ -140,12 +139,12 @@
   <pc:docChgLst>
     <pc:chgData name="Graf Thomas, SCS-INI-NET-VNC-E2E" userId="487bc3e3-9ce7-4cdd-b7b4-8899ea88d289" providerId="ADAL" clId="{5FF6129F-C875-4CD2-931C-44CB87FACD58}"/>
     <pc:docChg chg="undo custSel addSld delSld modSld sldOrd">
-      <pc:chgData name="Graf Thomas, SCS-INI-NET-VNC-E2E" userId="487bc3e3-9ce7-4cdd-b7b4-8899ea88d289" providerId="ADAL" clId="{5FF6129F-C875-4CD2-931C-44CB87FACD58}" dt="2025-07-17T14:16:06.865" v="1918" actId="207"/>
+      <pc:chgData name="Graf Thomas, SCS-INI-NET-VNC-E2E" userId="487bc3e3-9ce7-4cdd-b7b4-8899ea88d289" providerId="ADAL" clId="{5FF6129F-C875-4CD2-931C-44CB87FACD58}" dt="2025-07-17T14:26:02.133" v="1919" actId="2696"/>
       <pc:docMkLst>
         <pc:docMk/>
       </pc:docMkLst>
-      <pc:sldChg chg="ord">
-        <pc:chgData name="Graf Thomas, SCS-INI-NET-VNC-E2E" userId="487bc3e3-9ce7-4cdd-b7b4-8899ea88d289" providerId="ADAL" clId="{5FF6129F-C875-4CD2-931C-44CB87FACD58}" dt="2025-07-16T12:49:55.544" v="787"/>
+      <pc:sldChg chg="del ord">
+        <pc:chgData name="Graf Thomas, SCS-INI-NET-VNC-E2E" userId="487bc3e3-9ce7-4cdd-b7b4-8899ea88d289" providerId="ADAL" clId="{5FF6129F-C875-4CD2-931C-44CB87FACD58}" dt="2025-07-17T14:26:02.133" v="1919" actId="2696"/>
         <pc:sldMkLst>
           <pc:docMk/>
           <pc:sldMk cId="0" sldId="256"/>
@@ -7325,400 +7324,6 @@
 </p:sld>
 </file>
 
-<file path=ppt/slides/slide13.xml><?xml version="1.0" encoding="utf-8"?>
-<p:sld xmlns:a="http://schemas.openxmlformats.org/drawingml/2006/main" xmlns:r="http://schemas.openxmlformats.org/officeDocument/2006/relationships" xmlns:p="http://schemas.openxmlformats.org/presentationml/2006/main">
-  <p:cSld>
-    <p:spTree>
-      <p:nvGrpSpPr>
-        <p:cNvPr id="1" name=""/>
-        <p:cNvGrpSpPr/>
-        <p:nvPr/>
-      </p:nvGrpSpPr>
-      <p:grpSpPr>
-        <a:xfrm>
-          <a:off x="0" y="0"/>
-          <a:ext cx="0" cy="0"/>
-          <a:chOff x="0" y="0"/>
-          <a:chExt cx="0" cy="0"/>
-        </a:xfrm>
-      </p:grpSpPr>
-      <p:sp>
-        <p:nvSpPr>
-          <p:cNvPr id="124" name="Slide Number Placeholder 1"/>
-          <p:cNvSpPr txBox="1">
-            <a:spLocks noGrp="1"/>
-          </p:cNvSpPr>
-          <p:nvPr>
-            <p:ph type="sldNum" sz="quarter" idx="4294967295"/>
-          </p:nvPr>
-        </p:nvSpPr>
-        <p:spPr>
-          <a:xfrm>
-            <a:off x="11807887" y="6403799"/>
-            <a:ext cx="194256" cy="280800"/>
-          </a:xfrm>
-          <a:prstGeom prst="rect">
-            <a:avLst/>
-          </a:prstGeom>
-          <a:extLst>
-            <a:ext uri="{C572A759-6A51-4108-AA02-DFA0A04FC94B}">
-              <ma14:wrappingTextBoxFlag xmlns="" xmlns:m="http://schemas.openxmlformats.org/officeDocument/2006/math" xmlns:a14="http://schemas.microsoft.com/office/drawing/2010/main" xmlns:ma14="http://schemas.microsoft.com/office/mac/drawingml/2011/main" val="1"/>
-            </a:ext>
-          </a:extLst>
-        </p:spPr>
-        <p:txBody>
-          <a:bodyPr/>
-          <a:lstStyle>
-            <a:lvl1pPr>
-              <a:defRPr sz="1400"/>
-            </a:lvl1pPr>
-          </a:lstStyle>
-          <a:p>
-            <a:fld id="{86CB4B4D-7CA3-9044-876B-883B54F8677D}" type="slidenum">
-              <a:rPr/>
-              <a:t>13</a:t>
-            </a:fld>
-            <a:endParaRPr/>
-          </a:p>
-        </p:txBody>
-      </p:sp>
-      <p:sp>
-        <p:nvSpPr>
-          <p:cNvPr id="125" name="Title 1"/>
-          <p:cNvSpPr txBox="1">
-            <a:spLocks noGrp="1"/>
-          </p:cNvSpPr>
-          <p:nvPr>
-            <p:ph type="title"/>
-          </p:nvPr>
-        </p:nvSpPr>
-        <p:spPr>
-          <a:xfrm>
-            <a:off x="838200" y="276225"/>
-            <a:ext cx="10515600" cy="859757"/>
-          </a:xfrm>
-          <a:prstGeom prst="rect">
-            <a:avLst/>
-          </a:prstGeom>
-        </p:spPr>
-        <p:txBody>
-          <a:bodyPr/>
-          <a:lstStyle>
-            <a:lvl1pPr>
-              <a:defRPr sz="2800"/>
-            </a:lvl1pPr>
-          </a:lstStyle>
-          <a:p>
-            <a:r>
-              <a:t>Relevant Papers for more Details</a:t>
-            </a:r>
-          </a:p>
-        </p:txBody>
-      </p:sp>
-      <p:sp>
-        <p:nvSpPr>
-          <p:cNvPr id="126" name="TextBox 3"/>
-          <p:cNvSpPr txBox="1"/>
-          <p:nvPr/>
-        </p:nvSpPr>
-        <p:spPr>
-          <a:xfrm>
-            <a:off x="6711814" y="5319923"/>
-            <a:ext cx="4878284" cy="1869788"/>
-          </a:xfrm>
-          <a:prstGeom prst="rect">
-            <a:avLst/>
-          </a:prstGeom>
-          <a:ln w="12700">
-            <a:miter lim="400000"/>
-          </a:ln>
-          <a:extLst>
-            <a:ext uri="{C572A759-6A51-4108-AA02-DFA0A04FC94B}">
-              <ma14:wrappingTextBoxFlag xmlns="" xmlns:m="http://schemas.openxmlformats.org/officeDocument/2006/math" xmlns:a14="http://schemas.microsoft.com/office/drawing/2010/main" xmlns:ma14="http://schemas.microsoft.com/office/mac/drawingml/2011/main" val="1"/>
-            </a:ext>
-          </a:extLst>
-        </p:spPr>
-        <p:txBody>
-          <a:bodyPr lIns="45719" rIns="45719">
-            <a:spAutoFit/>
-          </a:bodyPr>
-          <a:lstStyle/>
-          <a:p>
-            <a:pPr algn="ctr">
-              <a:defRPr sz="1600">
-                <a:solidFill>
-                  <a:srgbClr val="595959"/>
-                </a:solidFill>
-                <a:latin typeface="Lato"/>
-                <a:ea typeface="Lato"/>
-                <a:cs typeface="Lato"/>
-                <a:sym typeface="Lato"/>
-              </a:defRPr>
-            </a:pPr>
-            <a:r>
-              <a:rPr dirty="0"/>
-              <a:t>Paper “</a:t>
-            </a:r>
-            <a:r>
-              <a:rPr b="1" dirty="0">
-                <a:solidFill>
-                  <a:srgbClr val="FF0000"/>
-                </a:solidFill>
-              </a:rPr>
-              <a:t>Daisy: Practical Anomaly Detection in large BGP/MPLS and BGP/SRv6 VPN Networks</a:t>
-            </a:r>
-            <a:r>
-              <a:rPr dirty="0"/>
-              <a:t>” </a:t>
-            </a:r>
-            <a:r>
-              <a:rPr dirty="0">
-                <a:solidFill>
-                  <a:srgbClr val="AFABAB"/>
-                </a:solidFill>
-                <a:latin typeface="+mj-lt"/>
-                <a:ea typeface="+mj-ea"/>
-                <a:cs typeface="+mj-cs"/>
-                <a:sym typeface="Calibri"/>
-              </a:rPr>
-              <a:t>published at ACM/IRTF ANRW’23  </a:t>
-            </a:r>
-          </a:p>
-          <a:p>
-            <a:pPr algn="ctr">
-              <a:defRPr sz="1600">
-                <a:solidFill>
-                  <a:srgbClr val="AFABAB"/>
-                </a:solidFill>
-              </a:defRPr>
-            </a:pPr>
-            <a:r>
-              <a:rPr dirty="0"/>
-              <a:t>San Francisco, USA (24 July 2023)</a:t>
-            </a:r>
-          </a:p>
-          <a:p>
-            <a:pPr algn="ctr">
-              <a:defRPr sz="1600">
-                <a:solidFill>
-                  <a:srgbClr val="AFABAB"/>
-                </a:solidFill>
-              </a:defRPr>
-            </a:pPr>
-            <a:r>
-              <a:rPr dirty="0"/>
-              <a:t>Open access: </a:t>
-            </a:r>
-            <a:r>
-              <a:rPr u="sng" dirty="0">
-                <a:solidFill>
-                  <a:srgbClr val="0563C1"/>
-                </a:solidFill>
-                <a:uFill>
-                  <a:solidFill>
-                    <a:srgbClr val="0563C1"/>
-                  </a:solidFill>
-                </a:uFill>
-                <a:hlinkClick r:id="rId2"/>
-              </a:rPr>
-              <a:t>http://hal.science/hal-04307611</a:t>
-            </a:r>
-            <a:r>
-              <a:rPr dirty="0"/>
-              <a:t> </a:t>
-            </a:r>
-          </a:p>
-          <a:p>
-            <a:br>
-              <a:rPr dirty="0"/>
-            </a:br>
-            <a:endParaRPr dirty="0"/>
-          </a:p>
-        </p:txBody>
-      </p:sp>
-      <p:sp>
-        <p:nvSpPr>
-          <p:cNvPr id="127" name="TextBox 7"/>
-          <p:cNvSpPr txBox="1"/>
-          <p:nvPr/>
-        </p:nvSpPr>
-        <p:spPr>
-          <a:xfrm>
-            <a:off x="966381" y="5285332"/>
-            <a:ext cx="5547593" cy="1323439"/>
-          </a:xfrm>
-          <a:prstGeom prst="rect">
-            <a:avLst/>
-          </a:prstGeom>
-          <a:ln w="12700">
-            <a:miter lim="400000"/>
-          </a:ln>
-          <a:extLst>
-            <a:ext uri="{C572A759-6A51-4108-AA02-DFA0A04FC94B}">
-              <ma14:wrappingTextBoxFlag xmlns="" xmlns:m="http://schemas.openxmlformats.org/officeDocument/2006/math" xmlns:a14="http://schemas.microsoft.com/office/drawing/2010/main" xmlns:ma14="http://schemas.microsoft.com/office/mac/drawingml/2011/main" val="1"/>
-            </a:ext>
-          </a:extLst>
-        </p:spPr>
-        <p:txBody>
-          <a:bodyPr lIns="45719" rIns="45719">
-            <a:spAutoFit/>
-          </a:bodyPr>
-          <a:lstStyle/>
-          <a:p>
-            <a:pPr algn="ctr">
-              <a:defRPr sz="1600">
-                <a:solidFill>
-                  <a:srgbClr val="595959"/>
-                </a:solidFill>
-                <a:latin typeface="Lato"/>
-                <a:ea typeface="Lato"/>
-                <a:cs typeface="Lato"/>
-                <a:sym typeface="Lato"/>
-              </a:defRPr>
-            </a:pPr>
-            <a:r>
-              <a:rPr dirty="0"/>
-              <a:t>Paper “</a:t>
-            </a:r>
-            <a:r>
-              <a:rPr b="1" dirty="0">
-                <a:solidFill>
-                  <a:srgbClr val="FF0000"/>
-                </a:solidFill>
-              </a:rPr>
-              <a:t>Practical Anomaly Detection in Internet Services: An ISP centric approach</a:t>
-            </a:r>
-            <a:r>
-              <a:rPr dirty="0"/>
-              <a:t>” </a:t>
-            </a:r>
-          </a:p>
-          <a:p>
-            <a:pPr algn="ctr">
-              <a:defRPr sz="1600">
-                <a:solidFill>
-                  <a:srgbClr val="AFABAB"/>
-                </a:solidFill>
-              </a:defRPr>
-            </a:pPr>
-            <a:r>
-              <a:rPr dirty="0"/>
-              <a:t>Published at </a:t>
-            </a:r>
-            <a:r>
-              <a:rPr dirty="0" err="1"/>
-              <a:t>AnNet</a:t>
-            </a:r>
-            <a:r>
-              <a:rPr dirty="0"/>
-              <a:t> Workshop (In conjunction with IEEE NOMS)</a:t>
-            </a:r>
-          </a:p>
-          <a:p>
-            <a:pPr algn="ctr">
-              <a:defRPr sz="1600">
-                <a:solidFill>
-                  <a:srgbClr val="AFABAB"/>
-                </a:solidFill>
-              </a:defRPr>
-            </a:pPr>
-            <a:r>
-              <a:rPr dirty="0"/>
-              <a:t>Seoul, South Korea (6–10 May 2024)</a:t>
-            </a:r>
-          </a:p>
-          <a:p>
-            <a:pPr algn="ctr">
-              <a:defRPr sz="1600">
-                <a:solidFill>
-                  <a:srgbClr val="AFABAB"/>
-                </a:solidFill>
-              </a:defRPr>
-            </a:pPr>
-            <a:r>
-              <a:rPr lang="de-CH" dirty="0"/>
-              <a:t>Open </a:t>
-            </a:r>
-            <a:r>
-              <a:rPr lang="de-CH" dirty="0" err="1"/>
-              <a:t>access</a:t>
-            </a:r>
-            <a:r>
-              <a:rPr lang="de-CH" dirty="0"/>
-              <a:t>: </a:t>
-            </a:r>
-            <a:r>
-              <a:rPr lang="de-CH" dirty="0">
-                <a:hlinkClick r:id="rId3"/>
-              </a:rPr>
-              <a:t>https://hal.science/hal-04655324</a:t>
-            </a:r>
-            <a:endParaRPr dirty="0"/>
-          </a:p>
-        </p:txBody>
-      </p:sp>
-      <p:pic>
-        <p:nvPicPr>
-          <p:cNvPr id="128" name="Picture 6" descr="Picture 6"/>
-          <p:cNvPicPr>
-            <a:picLocks noChangeAspect="1"/>
-          </p:cNvPicPr>
-          <p:nvPr/>
-        </p:nvPicPr>
-        <p:blipFill>
-          <a:blip r:embed="rId4"/>
-          <a:stretch>
-            <a:fillRect/>
-          </a:stretch>
-        </p:blipFill>
-        <p:spPr>
-          <a:xfrm>
-            <a:off x="7586136" y="1132392"/>
-            <a:ext cx="3129642" cy="4040661"/>
-          </a:xfrm>
-          <a:prstGeom prst="rect">
-            <a:avLst/>
-          </a:prstGeom>
-          <a:ln w="12700">
-            <a:miter lim="400000"/>
-          </a:ln>
-        </p:spPr>
-      </p:pic>
-      <p:pic>
-        <p:nvPicPr>
-          <p:cNvPr id="129" name="Screenshot 2024-07-21 at 22.41.27.png" descr="Screenshot 2024-07-21 at 22.41.27.png"/>
-          <p:cNvPicPr>
-            <a:picLocks noChangeAspect="1"/>
-          </p:cNvPicPr>
-          <p:nvPr/>
-        </p:nvPicPr>
-        <p:blipFill>
-          <a:blip r:embed="rId5"/>
-          <a:stretch>
-            <a:fillRect/>
-          </a:stretch>
-        </p:blipFill>
-        <p:spPr>
-          <a:xfrm>
-            <a:off x="2216696" y="1188060"/>
-            <a:ext cx="3046964" cy="3929324"/>
-          </a:xfrm>
-          <a:prstGeom prst="rect">
-            <a:avLst/>
-          </a:prstGeom>
-          <a:ln w="12700">
-            <a:miter lim="400000"/>
-          </a:ln>
-        </p:spPr>
-      </p:pic>
-    </p:spTree>
-  </p:cSld>
-  <p:clrMapOvr>
-    <a:masterClrMapping/>
-  </p:clrMapOvr>
-</p:sld>
-</file>
-
 <file path=ppt/slides/slide2.xml><?xml version="1.0" encoding="utf-8"?>
 <p:sld xmlns:a="http://schemas.openxmlformats.org/drawingml/2006/main" xmlns:r="http://schemas.openxmlformats.org/officeDocument/2006/relationships" xmlns:p="http://schemas.openxmlformats.org/presentationml/2006/main">
   <p:cSld>
@@ -11111,7 +10716,17 @@
             </a:pPr>
             <a:r>
               <a:rPr lang="en-US" sz="2000" dirty="0"/>
-              <a:t>Renamed anomaly grouping from anomalies to anomaly according to RFC 8407.</a:t>
+              <a:t>Renamed anomaly grouping from anomalies to anomaly according to </a:t>
+            </a:r>
+            <a:r>
+              <a:rPr lang="en-US" sz="2000" dirty="0">
+                <a:hlinkClick r:id="rId2"/>
+              </a:rPr>
+              <a:t>RFC 8407</a:t>
+            </a:r>
+            <a:r>
+              <a:rPr lang="en-US" sz="2000" dirty="0"/>
+              <a:t>.</a:t>
             </a:r>
           </a:p>
           <a:p>
@@ -11160,7 +10775,7 @@
             </a:br>
             <a:r>
               <a:rPr lang="en-US" sz="2000" dirty="0">
-                <a:hlinkClick r:id="rId2"/>
+                <a:hlinkClick r:id="rId3"/>
               </a:rPr>
               <a:t>draft-ietf-netmod-rfc8407bis-28#appendix-B</a:t>
             </a:r>

--- a/123/NMOP/draft-ietf-nmop-network-anomaly-architecture-semantics-lifecycle.pptx
+++ b/123/NMOP/draft-ietf-nmop-network-anomaly-architecture-semantics-lifecycle.pptx
@@ -139,7 +139,7 @@
   <pc:docChgLst>
     <pc:chgData name="Graf Thomas, SCS-INI-NET-VNC-E2E" userId="487bc3e3-9ce7-4cdd-b7b4-8899ea88d289" providerId="ADAL" clId="{5FF6129F-C875-4CD2-931C-44CB87FACD58}"/>
     <pc:docChg chg="undo custSel addSld delSld modSld sldOrd">
-      <pc:chgData name="Graf Thomas, SCS-INI-NET-VNC-E2E" userId="487bc3e3-9ce7-4cdd-b7b4-8899ea88d289" providerId="ADAL" clId="{5FF6129F-C875-4CD2-931C-44CB87FACD58}" dt="2025-07-17T14:26:02.133" v="1919" actId="2696"/>
+      <pc:chgData name="Graf Thomas, SCS-INI-NET-VNC-E2E" userId="487bc3e3-9ce7-4cdd-b7b4-8899ea88d289" providerId="ADAL" clId="{5FF6129F-C875-4CD2-931C-44CB87FACD58}" dt="2025-07-18T05:45:45.253" v="1928" actId="20577"/>
       <pc:docMkLst>
         <pc:docMk/>
       </pc:docMkLst>
@@ -479,13 +479,13 @@
         </pc:picChg>
       </pc:sldChg>
       <pc:sldChg chg="addSp delSp modSp add mod">
-        <pc:chgData name="Graf Thomas, SCS-INI-NET-VNC-E2E" userId="487bc3e3-9ce7-4cdd-b7b4-8899ea88d289" providerId="ADAL" clId="{5FF6129F-C875-4CD2-931C-44CB87FACD58}" dt="2025-07-16T12:40:14.710" v="660" actId="255"/>
+        <pc:chgData name="Graf Thomas, SCS-INI-NET-VNC-E2E" userId="487bc3e3-9ce7-4cdd-b7b4-8899ea88d289" providerId="ADAL" clId="{5FF6129F-C875-4CD2-931C-44CB87FACD58}" dt="2025-07-18T05:45:45.253" v="1928" actId="20577"/>
         <pc:sldMkLst>
           <pc:docMk/>
           <pc:sldMk cId="360073812" sldId="2145706300"/>
         </pc:sldMkLst>
         <pc:spChg chg="mod">
-          <ac:chgData name="Graf Thomas, SCS-INI-NET-VNC-E2E" userId="487bc3e3-9ce7-4cdd-b7b4-8899ea88d289" providerId="ADAL" clId="{5FF6129F-C875-4CD2-931C-44CB87FACD58}" dt="2025-07-16T12:40:14.710" v="660" actId="255"/>
+          <ac:chgData name="Graf Thomas, SCS-INI-NET-VNC-E2E" userId="487bc3e3-9ce7-4cdd-b7b4-8899ea88d289" providerId="ADAL" clId="{5FF6129F-C875-4CD2-931C-44CB87FACD58}" dt="2025-07-18T05:45:45.253" v="1928" actId="20577"/>
           <ac:spMkLst>
             <pc:docMk/>
             <pc:sldMk cId="360073812" sldId="2145706300"/>
@@ -1468,7 +1468,7 @@
           <a:p>
             <a:fld id="{E5E705E9-673F-4AC4-B29E-A7B26F3B8523}" type="datetimeFigureOut">
               <a:rPr lang="de-CH" smtClean="0"/>
-              <a:t>17.07.2025</a:t>
+              <a:t>18.07.2025</a:t>
             </a:fld>
             <a:endParaRPr lang="de-CH"/>
           </a:p>
@@ -1969,7 +1969,7 @@
           <a:p>
             <a:fld id="{9E9B238C-2335-4007-98C9-471C02CC43B6}" type="datetimeFigureOut">
               <a:rPr lang="de-CH" smtClean="0"/>
-              <a:t>17.07.2025</a:t>
+              <a:t>18.07.2025</a:t>
             </a:fld>
             <a:endParaRPr lang="de-CH"/>
           </a:p>
@@ -2169,7 +2169,7 @@
           <a:p>
             <a:fld id="{9E9B238C-2335-4007-98C9-471C02CC43B6}" type="datetimeFigureOut">
               <a:rPr lang="de-CH" smtClean="0"/>
-              <a:t>17.07.2025</a:t>
+              <a:t>18.07.2025</a:t>
             </a:fld>
             <a:endParaRPr lang="de-CH"/>
           </a:p>
@@ -2379,7 +2379,7 @@
           <a:p>
             <a:fld id="{9E9B238C-2335-4007-98C9-471C02CC43B6}" type="datetimeFigureOut">
               <a:rPr lang="de-CH" smtClean="0"/>
-              <a:t>17.07.2025</a:t>
+              <a:t>18.07.2025</a:t>
             </a:fld>
             <a:endParaRPr lang="de-CH"/>
           </a:p>
@@ -2808,7 +2808,7 @@
           <a:p>
             <a:fld id="{9E9B238C-2335-4007-98C9-471C02CC43B6}" type="datetimeFigureOut">
               <a:rPr lang="de-CH" smtClean="0"/>
-              <a:t>17.07.2025</a:t>
+              <a:t>18.07.2025</a:t>
             </a:fld>
             <a:endParaRPr lang="de-CH"/>
           </a:p>
@@ -3084,7 +3084,7 @@
           <a:p>
             <a:fld id="{9E9B238C-2335-4007-98C9-471C02CC43B6}" type="datetimeFigureOut">
               <a:rPr lang="de-CH" smtClean="0"/>
-              <a:t>17.07.2025</a:t>
+              <a:t>18.07.2025</a:t>
             </a:fld>
             <a:endParaRPr lang="de-CH"/>
           </a:p>
@@ -3352,7 +3352,7 @@
           <a:p>
             <a:fld id="{9E9B238C-2335-4007-98C9-471C02CC43B6}" type="datetimeFigureOut">
               <a:rPr lang="de-CH" smtClean="0"/>
-              <a:t>17.07.2025</a:t>
+              <a:t>18.07.2025</a:t>
             </a:fld>
             <a:endParaRPr lang="de-CH"/>
           </a:p>
@@ -3767,7 +3767,7 @@
           <a:p>
             <a:fld id="{9E9B238C-2335-4007-98C9-471C02CC43B6}" type="datetimeFigureOut">
               <a:rPr lang="de-CH" smtClean="0"/>
-              <a:t>17.07.2025</a:t>
+              <a:t>18.07.2025</a:t>
             </a:fld>
             <a:endParaRPr lang="de-CH"/>
           </a:p>
@@ -3909,7 +3909,7 @@
           <a:p>
             <a:fld id="{9E9B238C-2335-4007-98C9-471C02CC43B6}" type="datetimeFigureOut">
               <a:rPr lang="de-CH" smtClean="0"/>
-              <a:t>17.07.2025</a:t>
+              <a:t>18.07.2025</a:t>
             </a:fld>
             <a:endParaRPr lang="de-CH"/>
           </a:p>
@@ -4022,7 +4022,7 @@
           <a:p>
             <a:fld id="{9E9B238C-2335-4007-98C9-471C02CC43B6}" type="datetimeFigureOut">
               <a:rPr lang="de-CH" smtClean="0"/>
-              <a:t>17.07.2025</a:t>
+              <a:t>18.07.2025</a:t>
             </a:fld>
             <a:endParaRPr lang="de-CH"/>
           </a:p>
@@ -4335,7 +4335,7 @@
           <a:p>
             <a:fld id="{9E9B238C-2335-4007-98C9-471C02CC43B6}" type="datetimeFigureOut">
               <a:rPr lang="de-CH" smtClean="0"/>
-              <a:t>17.07.2025</a:t>
+              <a:t>18.07.2025</a:t>
             </a:fld>
             <a:endParaRPr lang="de-CH"/>
           </a:p>
@@ -4624,7 +4624,7 @@
           <a:p>
             <a:fld id="{9E9B238C-2335-4007-98C9-471C02CC43B6}" type="datetimeFigureOut">
               <a:rPr lang="de-CH" smtClean="0"/>
-              <a:t>17.07.2025</a:t>
+              <a:t>18.07.2025</a:t>
             </a:fld>
             <a:endParaRPr lang="de-CH"/>
           </a:p>
@@ -4867,7 +4867,7 @@
           <a:p>
             <a:fld id="{9E9B238C-2335-4007-98C9-471C02CC43B6}" type="datetimeFigureOut">
               <a:rPr lang="de-CH" smtClean="0"/>
-              <a:t>17.07.2025</a:t>
+              <a:t>18.07.2025</a:t>
             </a:fld>
             <a:endParaRPr lang="de-CH"/>
           </a:p>
@@ -16094,20 +16094,20 @@
               <a:rPr lang="en-GB" sz="3600" dirty="0"/>
             </a:br>
             <a:r>
-              <a:rPr lang="de-CH" sz="2600" dirty="0" err="1">
-                <a:solidFill>
-                  <a:srgbClr val="FF0000"/>
-                </a:solidFill>
-              </a:rPr>
-              <a:t>Example</a:t>
-            </a:r>
-            <a:r>
               <a:rPr lang="de-CH" sz="2600" dirty="0">
                 <a:solidFill>
                   <a:srgbClr val="FF0000"/>
                 </a:solidFill>
               </a:rPr>
-              <a:t> Message </a:t>
+              <a:t>Message </a:t>
+            </a:r>
+            <a:r>
+              <a:rPr lang="de-CH" sz="2600">
+                <a:solidFill>
+                  <a:srgbClr val="FF0000"/>
+                </a:solidFill>
+              </a:rPr>
+              <a:t>Example </a:t>
             </a:r>
             <a:r>
               <a:rPr lang="de-CH" sz="2600" dirty="0" err="1">
